--- a/Frontend/AutoDiff/03.grad_mode.pptx
+++ b/Frontend/AutoDiff/03.grad_mode.pptx
@@ -392,7 +392,7 @@
               <a:pPr>
                 <a:defRPr/>
               </a:pPr>
-              <a:t>2022/5/17</a:t>
+              <a:t>2023/1/6</a:t>
             </a:fld>
             <a:endParaRPr lang="en-US" altLang="zh-CN"/>
           </a:p>
@@ -645,7 +645,7 @@
             <a:fld id="{C45443A1-D8F2-48CD-A659-3CEDBA8DF541}" type="datetimeFigureOut">
               <a:rPr lang="zh-CN" altLang="en-US" smtClean="0"/>
               <a:pPr/>
-              <a:t>2022/5/17</a:t>
+              <a:t>2023/1/6</a:t>
             </a:fld>
             <a:endParaRPr lang="zh-CN" altLang="en-US"/>
           </a:p>
@@ -3126,7 +3126,13 @@
           <p:nvPr userDrawn="1"/>
         </p:nvPicPr>
         <p:blipFill>
-          <a:blip r:embed="rId3" cstate="print"/>
+          <a:blip r:embed="rId3" cstate="screen">
+            <a:extLst>
+              <a:ext uri="{28A0092B-C50C-407E-A947-70E740481C1C}">
+                <a14:useLocalDpi xmlns:a14="http://schemas.microsoft.com/office/drawing/2010/main"/>
+              </a:ext>
+            </a:extLst>
+          </a:blip>
           <a:srcRect/>
           <a:stretch>
             <a:fillRect/>
@@ -3409,7 +3415,7 @@
           <a:blip r:embed="rId4">
             <a:extLst>
               <a:ext uri="{28A0092B-C50C-407E-A947-70E740481C1C}">
-                <a14:useLocalDpi xmlns:a14="http://schemas.microsoft.com/office/drawing/2010/main" val="0"/>
+                <a14:useLocalDpi xmlns:a14="http://schemas.microsoft.com/office/drawing/2010/main"/>
               </a:ext>
             </a:extLst>
           </a:blip>
@@ -3890,7 +3896,7 @@
           <a:blip r:embed="rId3">
             <a:extLst>
               <a:ext uri="{28A0092B-C50C-407E-A947-70E740481C1C}">
-                <a14:useLocalDpi xmlns:a14="http://schemas.microsoft.com/office/drawing/2010/main" val="0"/>
+                <a14:useLocalDpi xmlns:a14="http://schemas.microsoft.com/office/drawing/2010/main"/>
               </a:ext>
             </a:extLst>
           </a:blip>
@@ -8577,7 +8583,7 @@
           <a:blip r:embed="rId5" cstate="print">
             <a:extLst>
               <a:ext uri="{28A0092B-C50C-407E-A947-70E740481C1C}">
-                <a14:useLocalDpi xmlns:a14="http://schemas.microsoft.com/office/drawing/2010/main" val="0"/>
+                <a14:useLocalDpi xmlns:a14="http://schemas.microsoft.com/office/drawing/2010/main"/>
               </a:ext>
             </a:extLst>
           </a:blip>
@@ -8638,10 +8644,10 @@
           <p:nvPr userDrawn="1"/>
         </p:nvPicPr>
         <p:blipFill>
-          <a:blip r:embed="rId6" cstate="print">
+          <a:blip r:embed="rId6" cstate="screen">
             <a:extLst>
               <a:ext uri="{28A0092B-C50C-407E-A947-70E740481C1C}">
-                <a14:useLocalDpi xmlns:a14="http://schemas.microsoft.com/office/drawing/2010/main" val="0"/>
+                <a14:useLocalDpi xmlns:a14="http://schemas.microsoft.com/office/drawing/2010/main"/>
               </a:ext>
             </a:extLst>
           </a:blip>
@@ -13798,7 +13804,7 @@
           <a:blip r:embed="rId5" cstate="print">
             <a:extLst>
               <a:ext uri="{28A0092B-C50C-407E-A947-70E740481C1C}">
-                <a14:useLocalDpi xmlns:a14="http://schemas.microsoft.com/office/drawing/2010/main" val="0"/>
+                <a14:useLocalDpi xmlns:a14="http://schemas.microsoft.com/office/drawing/2010/main"/>
               </a:ext>
             </a:extLst>
           </a:blip>
@@ -13859,10 +13865,10 @@
           <p:nvPr userDrawn="1"/>
         </p:nvPicPr>
         <p:blipFill>
-          <a:blip r:embed="rId6" cstate="print">
+          <a:blip r:embed="rId6" cstate="screen">
             <a:extLst>
               <a:ext uri="{28A0092B-C50C-407E-A947-70E740481C1C}">
-                <a14:useLocalDpi xmlns:a14="http://schemas.microsoft.com/office/drawing/2010/main" val="0"/>
+                <a14:useLocalDpi xmlns:a14="http://schemas.microsoft.com/office/drawing/2010/main"/>
               </a:ext>
             </a:extLst>
           </a:blip>
@@ -14502,10 +14508,10 @@
           <p:nvPr userDrawn="1"/>
         </p:nvPicPr>
         <p:blipFill>
-          <a:blip r:embed="rId4" cstate="print">
+          <a:blip r:embed="rId4" cstate="screen">
             <a:extLst>
               <a:ext uri="{28A0092B-C50C-407E-A947-70E740481C1C}">
-                <a14:useLocalDpi xmlns:a14="http://schemas.microsoft.com/office/drawing/2010/main" val="0"/>
+                <a14:useLocalDpi xmlns:a14="http://schemas.microsoft.com/office/drawing/2010/main"/>
               </a:ext>
             </a:extLst>
           </a:blip>
@@ -15124,10 +15130,10 @@
           <p:nvPr userDrawn="1"/>
         </p:nvPicPr>
         <p:blipFill>
-          <a:blip r:embed="rId3" cstate="print">
+          <a:blip r:embed="rId3" cstate="screen">
             <a:extLst>
               <a:ext uri="{28A0092B-C50C-407E-A947-70E740481C1C}">
-                <a14:useLocalDpi xmlns:a14="http://schemas.microsoft.com/office/drawing/2010/main" val="0"/>
+                <a14:useLocalDpi xmlns:a14="http://schemas.microsoft.com/office/drawing/2010/main"/>
               </a:ext>
             </a:extLst>
           </a:blip>
@@ -15620,7 +15626,7 @@
           <a:blip r:embed="rId3">
             <a:extLst>
               <a:ext uri="{28A0092B-C50C-407E-A947-70E740481C1C}">
-                <a14:useLocalDpi xmlns:a14="http://schemas.microsoft.com/office/drawing/2010/main" val="0"/>
+                <a14:useLocalDpi xmlns:a14="http://schemas.microsoft.com/office/drawing/2010/main"/>
               </a:ext>
             </a:extLst>
           </a:blip>
@@ -15875,7 +15881,7 @@
           <a:blip r:embed="rId5" cstate="print">
             <a:extLst>
               <a:ext uri="{28A0092B-C50C-407E-A947-70E740481C1C}">
-                <a14:useLocalDpi xmlns:a14="http://schemas.microsoft.com/office/drawing/2010/main" val="0"/>
+                <a14:useLocalDpi xmlns:a14="http://schemas.microsoft.com/office/drawing/2010/main"/>
               </a:ext>
             </a:extLst>
           </a:blip>
@@ -15939,7 +15945,7 @@
           <a:blip r:embed="rId6" cstate="print">
             <a:extLst>
               <a:ext uri="{28A0092B-C50C-407E-A947-70E740481C1C}">
-                <a14:useLocalDpi xmlns:a14="http://schemas.microsoft.com/office/drawing/2010/main" val="0"/>
+                <a14:useLocalDpi xmlns:a14="http://schemas.microsoft.com/office/drawing/2010/main"/>
               </a:ext>
             </a:extLst>
           </a:blip>
@@ -16000,10 +16006,10 @@
           <p:nvPr userDrawn="1"/>
         </p:nvPicPr>
         <p:blipFill>
-          <a:blip r:embed="rId7" cstate="print">
+          <a:blip r:embed="rId7" cstate="screen">
             <a:extLst>
               <a:ext uri="{28A0092B-C50C-407E-A947-70E740481C1C}">
-                <a14:useLocalDpi xmlns:a14="http://schemas.microsoft.com/office/drawing/2010/main" val="0"/>
+                <a14:useLocalDpi xmlns:a14="http://schemas.microsoft.com/office/drawing/2010/main"/>
               </a:ext>
             </a:extLst>
           </a:blip>
@@ -16553,10 +16559,10 @@
           <p:nvPr/>
         </p:nvPicPr>
         <p:blipFill>
-          <a:blip r:embed="rId2">
+          <a:blip r:embed="rId2" cstate="screen">
             <a:extLst>
               <a:ext uri="{28A0092B-C50C-407E-A947-70E740481C1C}">
-                <a14:useLocalDpi xmlns:a14="http://schemas.microsoft.com/office/drawing/2010/main" val="0"/>
+                <a14:useLocalDpi xmlns:a14="http://schemas.microsoft.com/office/drawing/2010/main"/>
               </a:ext>
             </a:extLst>
           </a:blip>
@@ -22530,42 +22536,6 @@
           </a:p>
         </p:txBody>
       </p:sp>
-      <p:pic>
-        <p:nvPicPr>
-          <p:cNvPr id="8" name="图片 7">
-            <a:extLst>
-              <a:ext uri="{FF2B5EF4-FFF2-40B4-BE49-F238E27FC236}">
-                <a16:creationId xmlns:a16="http://schemas.microsoft.com/office/drawing/2014/main" id="{D05C9A61-E1F3-484A-9C97-016DF1C07700}"/>
-              </a:ext>
-            </a:extLst>
-          </p:cNvPr>
-          <p:cNvPicPr>
-            <a:picLocks noChangeAspect="1"/>
-          </p:cNvPicPr>
-          <p:nvPr/>
-        </p:nvPicPr>
-        <p:blipFill>
-          <a:blip r:embed="rId3">
-            <a:extLst>
-              <a:ext uri="{28A0092B-C50C-407E-A947-70E740481C1C}">
-                <a14:useLocalDpi xmlns:a14="http://schemas.microsoft.com/office/drawing/2010/main" val="0"/>
-              </a:ext>
-            </a:extLst>
-          </a:blip>
-          <a:stretch>
-            <a:fillRect/>
-          </a:stretch>
-        </p:blipFill>
-        <p:spPr>
-          <a:xfrm>
-            <a:off x="5223682" y="1210755"/>
-            <a:ext cx="5543440" cy="2362261"/>
-          </a:xfrm>
-          <a:prstGeom prst="rect">
-            <a:avLst/>
-          </a:prstGeom>
-        </p:spPr>
-      </p:pic>
       <p:sp>
         <p:nvSpPr>
           <p:cNvPr id="9" name="左大括号 8">
@@ -22883,10 +22853,10 @@
       </p:sp>
       <p:pic>
         <p:nvPicPr>
-          <p:cNvPr id="14" name="图片 13">
+          <p:cNvPr id="10" name="图片 9">
             <a:extLst>
               <a:ext uri="{FF2B5EF4-FFF2-40B4-BE49-F238E27FC236}">
-                <a16:creationId xmlns:a16="http://schemas.microsoft.com/office/drawing/2014/main" id="{D080F9AF-BF97-8F4E-8A87-A40497D54D5D}"/>
+                <a16:creationId xmlns:a16="http://schemas.microsoft.com/office/drawing/2014/main" id="{817CF105-E4D1-704C-9D96-19917427FCA0}"/>
               </a:ext>
             </a:extLst>
           </p:cNvPr>
@@ -22896,10 +22866,10 @@
           <p:nvPr/>
         </p:nvPicPr>
         <p:blipFill>
-          <a:blip r:embed="rId4">
+          <a:blip r:embed="rId3" cstate="screen">
             <a:extLst>
               <a:ext uri="{28A0092B-C50C-407E-A947-70E740481C1C}">
-                <a14:useLocalDpi xmlns:a14="http://schemas.microsoft.com/office/drawing/2010/main" val="0"/>
+                <a14:useLocalDpi xmlns:a14="http://schemas.microsoft.com/office/drawing/2010/main"/>
               </a:ext>
             </a:extLst>
           </a:blip>
@@ -22909,8 +22879,44 @@
         </p:blipFill>
         <p:spPr>
           <a:xfrm>
-            <a:off x="4946253" y="3797163"/>
-            <a:ext cx="5947398" cy="2517877"/>
+            <a:off x="4691368" y="3748627"/>
+            <a:ext cx="6075754" cy="2572217"/>
+          </a:xfrm>
+          <a:prstGeom prst="rect">
+            <a:avLst/>
+          </a:prstGeom>
+        </p:spPr>
+      </p:pic>
+      <p:pic>
+        <p:nvPicPr>
+          <p:cNvPr id="12" name="图片 11">
+            <a:extLst>
+              <a:ext uri="{FF2B5EF4-FFF2-40B4-BE49-F238E27FC236}">
+                <a16:creationId xmlns:a16="http://schemas.microsoft.com/office/drawing/2014/main" id="{0B849A8F-EB7E-B34F-A0D4-4A20E0C69936}"/>
+              </a:ext>
+            </a:extLst>
+          </p:cNvPr>
+          <p:cNvPicPr>
+            <a:picLocks noChangeAspect="1"/>
+          </p:cNvPicPr>
+          <p:nvPr/>
+        </p:nvPicPr>
+        <p:blipFill>
+          <a:blip r:embed="rId4" cstate="screen">
+            <a:extLst>
+              <a:ext uri="{28A0092B-C50C-407E-A947-70E740481C1C}">
+                <a14:useLocalDpi xmlns:a14="http://schemas.microsoft.com/office/drawing/2010/main"/>
+              </a:ext>
+            </a:extLst>
+          </a:blip>
+          <a:stretch>
+            <a:fillRect/>
+          </a:stretch>
+        </p:blipFill>
+        <p:spPr>
+          <a:xfrm>
+            <a:off x="4884896" y="1130749"/>
+            <a:ext cx="5821997" cy="2514044"/>
           </a:xfrm>
           <a:prstGeom prst="rect">
             <a:avLst/>
@@ -24997,8 +25003,14 @@
           <p:nvPr/>
         </p:nvPicPr>
         <p:blipFill rotWithShape="1">
-          <a:blip r:embed="rId2"/>
-          <a:srcRect r="51334"/>
+          <a:blip r:embed="rId2" cstate="screen">
+            <a:extLst>
+              <a:ext uri="{28A0092B-C50C-407E-A947-70E740481C1C}">
+                <a14:useLocalDpi xmlns:a14="http://schemas.microsoft.com/office/drawing/2010/main"/>
+              </a:ext>
+            </a:extLst>
+          </a:blip>
+          <a:srcRect/>
           <a:stretch/>
         </p:blipFill>
         <p:spPr>
@@ -26776,10 +26788,10 @@
       </p:sp>
       <p:pic>
         <p:nvPicPr>
-          <p:cNvPr id="10" name="图片 9">
+          <p:cNvPr id="5" name="图片 4">
             <a:extLst>
               <a:ext uri="{FF2B5EF4-FFF2-40B4-BE49-F238E27FC236}">
-                <a16:creationId xmlns:a16="http://schemas.microsoft.com/office/drawing/2014/main" id="{497104D2-1C60-EF47-B67A-965C9BFD058D}"/>
+                <a16:creationId xmlns:a16="http://schemas.microsoft.com/office/drawing/2014/main" id="{B4F2295B-2DE2-E14A-8BD0-CC1E6EE245EA}"/>
               </a:ext>
             </a:extLst>
           </p:cNvPr>
@@ -26789,10 +26801,10 @@
           <p:nvPr/>
         </p:nvPicPr>
         <p:blipFill>
-          <a:blip r:embed="rId5">
+          <a:blip r:embed="rId5" cstate="screen">
             <a:extLst>
               <a:ext uri="{28A0092B-C50C-407E-A947-70E740481C1C}">
-                <a14:useLocalDpi xmlns:a14="http://schemas.microsoft.com/office/drawing/2010/main" val="0"/>
+                <a14:useLocalDpi xmlns:a14="http://schemas.microsoft.com/office/drawing/2010/main"/>
               </a:ext>
             </a:extLst>
           </a:blip>
@@ -26802,8 +26814,8 @@
         </p:blipFill>
         <p:spPr>
           <a:xfrm>
-            <a:off x="3338554" y="2780305"/>
-            <a:ext cx="6264696" cy="1969582"/>
+            <a:off x="3112612" y="2727832"/>
+            <a:ext cx="5985520" cy="2074527"/>
           </a:xfrm>
           <a:prstGeom prst="rect">
             <a:avLst/>
@@ -26916,7 +26928,13 @@
           <p:nvPr/>
         </p:nvPicPr>
         <p:blipFill rotWithShape="1">
-          <a:blip r:embed="rId2"/>
+          <a:blip r:embed="rId2" cstate="screen">
+            <a:extLst>
+              <a:ext uri="{28A0092B-C50C-407E-A947-70E740481C1C}">
+                <a14:useLocalDpi xmlns:a14="http://schemas.microsoft.com/office/drawing/2010/main"/>
+              </a:ext>
+            </a:extLst>
+          </a:blip>
           <a:srcRect l="-2" r="-2117"/>
           <a:stretch/>
         </p:blipFill>
@@ -28566,10 +28584,10 @@
       </p:sp>
       <p:pic>
         <p:nvPicPr>
-          <p:cNvPr id="5" name="图片 4">
+          <p:cNvPr id="10" name="图片 9">
             <a:extLst>
               <a:ext uri="{FF2B5EF4-FFF2-40B4-BE49-F238E27FC236}">
-                <a16:creationId xmlns:a16="http://schemas.microsoft.com/office/drawing/2014/main" id="{DD80555F-ED59-BB45-B587-176B318ED4C3}"/>
+                <a16:creationId xmlns:a16="http://schemas.microsoft.com/office/drawing/2014/main" id="{373FDDC5-A579-F54B-AEC1-53BB6AD3B18E}"/>
               </a:ext>
             </a:extLst>
           </p:cNvPr>
@@ -28579,10 +28597,10 @@
           <p:nvPr/>
         </p:nvPicPr>
         <p:blipFill>
-          <a:blip r:embed="rId4">
+          <a:blip r:embed="rId4" cstate="screen">
             <a:extLst>
               <a:ext uri="{28A0092B-C50C-407E-A947-70E740481C1C}">
-                <a14:useLocalDpi xmlns:a14="http://schemas.microsoft.com/office/drawing/2010/main" val="0"/>
+                <a14:useLocalDpi xmlns:a14="http://schemas.microsoft.com/office/drawing/2010/main"/>
               </a:ext>
             </a:extLst>
           </a:blip>
@@ -28592,8 +28610,8 @@
         </p:blipFill>
         <p:spPr>
           <a:xfrm>
-            <a:off x="3403249" y="2209589"/>
-            <a:ext cx="5544616" cy="2900418"/>
+            <a:off x="3230437" y="2060848"/>
+            <a:ext cx="5735887" cy="3127702"/>
           </a:xfrm>
           <a:prstGeom prst="rect">
             <a:avLst/>
@@ -29255,7 +29273,13 @@
           <p:nvPr/>
         </p:nvPicPr>
         <p:blipFill>
-          <a:blip r:embed="rId4"/>
+          <a:blip r:embed="rId4" cstate="screen">
+            <a:extLst>
+              <a:ext uri="{28A0092B-C50C-407E-A947-70E740481C1C}">
+                <a14:useLocalDpi xmlns:a14="http://schemas.microsoft.com/office/drawing/2010/main"/>
+              </a:ext>
+            </a:extLst>
+          </a:blip>
           <a:stretch>
             <a:fillRect/>
           </a:stretch>
